--- a/Praesentation/DemoAutomatisierungVonBerichten.pptx
+++ b/Praesentation/DemoAutomatisierungVonBerichten.pptx
@@ -5,10 +5,10 @@
     <p:sldMasterId id="2147483657" r:id="rId1"/>
   </p:sldMasterIdLst>
   <p:notesMasterIdLst>
-    <p:notesMasterId r:id="rId11"/>
+    <p:notesMasterId r:id="rId10"/>
   </p:notesMasterIdLst>
   <p:handoutMasterIdLst>
-    <p:handoutMasterId r:id="rId12"/>
+    <p:handoutMasterId r:id="rId11"/>
   </p:handoutMasterIdLst>
   <p:sldIdLst>
     <p:sldId id="263" r:id="rId2"/>
@@ -17,9 +17,8 @@
     <p:sldId id="287" r:id="rId5"/>
     <p:sldId id="288" r:id="rId6"/>
     <p:sldId id="289" r:id="rId7"/>
-    <p:sldId id="282" r:id="rId8"/>
-    <p:sldId id="285" r:id="rId9"/>
-    <p:sldId id="281" r:id="rId10"/>
+    <p:sldId id="290" r:id="rId8"/>
+    <p:sldId id="281" r:id="rId9"/>
   </p:sldIdLst>
   <p:sldSz cx="12192000" cy="6858000"/>
   <p:notesSz cx="6858000" cy="9144000"/>
@@ -736,14 +735,10 @@
           <a:p>
             <a:r>
               <a:rPr lang="de-CH" dirty="0" smtClean="0"/>
-              <a:t>Vieles kann gemacht werden, Weboberfläche usw.</a:t>
-            </a:r>
-          </a:p>
-          <a:p>
-            <a:r>
-              <a:rPr lang="de-CH" dirty="0" smtClean="0"/>
-              <a:t>Wir haben entschieden den aktuellen Ablauf 1 zu 1 umzusetzen</a:t>
-            </a:r>
+              <a:t>Viele manuelle Schritte, die automatisiert werden können</a:t>
+            </a:r>
+          </a:p>
+          <a:p>
             <a:endParaRPr lang="de-CH" dirty="0"/>
           </a:p>
         </p:txBody>
@@ -5447,7 +5442,11 @@
           <a:p>
             <a:r>
               <a:rPr lang="de-CH" dirty="0" err="1" smtClean="0"/>
-              <a:t>Abishan,Adrian,Björn,Gill,Logan,Mathias</a:t>
+              <a:t>Abishan</a:t>
+            </a:r>
+            <a:r>
+              <a:rPr lang="de-CH" dirty="0" smtClean="0"/>
+              <a:t>, Adrian, Björn, Gill, Logan, Mathias</a:t>
             </a:r>
             <a:endParaRPr lang="de-CH" dirty="0"/>
           </a:p>
@@ -5770,14 +5769,14 @@
           <a:p>
             <a:r>
               <a:rPr lang="de-CH" dirty="0" smtClean="0"/>
-              <a:t>Aus Daten werden </a:t>
+              <a:t>Aus Daten werden Berichte</a:t>
             </a:r>
             <a:br>
               <a:rPr lang="de-CH" dirty="0" smtClean="0"/>
             </a:br>
             <a:r>
               <a:rPr lang="de-CH" dirty="0" smtClean="0"/>
-              <a:t>Berichte</a:t>
+              <a:t>Ausgangslage</a:t>
             </a:r>
             <a:endParaRPr lang="de-CH" dirty="0"/>
           </a:p>
@@ -6160,7 +6159,7 @@
             </a:pPr>
             <a:r>
               <a:rPr lang="de-CH" dirty="0" smtClean="0"/>
-              <a:t>Daten als Excel, </a:t>
+              <a:t>Daten als allen Excel, </a:t>
             </a:r>
             <a:r>
               <a:rPr lang="de-CH" dirty="0" err="1" smtClean="0"/>
@@ -6175,10 +6174,23 @@
               <a:t>Adobe </a:t>
             </a:r>
             <a:r>
-              <a:rPr lang="de-CH" dirty="0" err="1"/>
+              <a:rPr lang="de-CH" dirty="0" err="1" smtClean="0"/>
               <a:t>InDesign</a:t>
             </a:r>
-            <a:endParaRPr lang="de-CH" dirty="0" smtClean="0"/>
+            <a:r>
+              <a:rPr lang="de-CH" dirty="0" smtClean="0"/>
+              <a:t> übertragen</a:t>
+            </a:r>
+          </a:p>
+          <a:p>
+            <a:pPr marL="457200" indent="-457200">
+              <a:buFont typeface="Arial" panose="020B0604020202020204" pitchFamily="34" charset="0"/>
+              <a:buChar char="•"/>
+            </a:pPr>
+            <a:r>
+              <a:rPr lang="de-CH" dirty="0" smtClean="0"/>
+              <a:t>PDF erstellen</a:t>
+            </a:r>
           </a:p>
           <a:p>
             <a:pPr marL="457200" indent="-457200">
@@ -6190,7 +6202,7 @@
           <a:p>
             <a:r>
               <a:rPr lang="de-CH" dirty="0" smtClean="0"/>
-              <a:t>Für diese Arbeit wurden </a:t>
+              <a:t>Für diese Arbeit wurde </a:t>
             </a:r>
             <a:r>
               <a:rPr lang="de-CH" dirty="0" err="1" smtClean="0"/>
@@ -6395,6 +6407,16 @@
             <a:r>
               <a:rPr lang="de-CH" dirty="0" smtClean="0"/>
               <a:t>Daten Google Sheet eintragen</a:t>
+            </a:r>
+          </a:p>
+          <a:p>
+            <a:pPr marL="457200" indent="-457200">
+              <a:buFont typeface="Arial" panose="020B0604020202020204" pitchFamily="34" charset="0"/>
+              <a:buChar char="•"/>
+            </a:pPr>
+            <a:r>
+              <a:rPr lang="de-CH" dirty="0" smtClean="0"/>
+              <a:t>Webseite für Export aufrufen</a:t>
             </a:r>
           </a:p>
           <a:p>
@@ -6606,6 +6628,15 @@
           <a:bodyPr/>
           <a:lstStyle/>
           <a:p>
+            <a:r>
+              <a:rPr lang="de-CH" dirty="0" smtClean="0"/>
+              <a:t>Prototyp mit einer Seite</a:t>
+            </a:r>
+          </a:p>
+          <a:p>
+            <a:endParaRPr lang="de-CH" dirty="0" smtClean="0"/>
+          </a:p>
+          <a:p>
             <a:pPr marL="457200" indent="-457200">
               <a:buFont typeface="Arial" panose="020B0604020202020204" pitchFamily="34" charset="0"/>
               <a:buChar char="•"/>
@@ -6619,36 +6650,6 @@
             <a:endParaRPr lang="de-CH" dirty="0" smtClean="0"/>
           </a:p>
           <a:p>
-            <a:pPr marL="457200" indent="-457200">
-              <a:buFont typeface="Arial" panose="020B0604020202020204" pitchFamily="34" charset="0"/>
-              <a:buChar char="•"/>
-            </a:pPr>
-            <a:r>
-              <a:rPr lang="de-CH" dirty="0">
-                <a:hlinkClick r:id="rId2"/>
-              </a:rPr>
-              <a:t>https://</a:t>
-            </a:r>
-            <a:r>
-              <a:rPr lang="de-CH" dirty="0" smtClean="0">
-                <a:hlinkClick r:id="rId2"/>
-              </a:rPr>
-              <a:t>docs.google.com/spreadsheets/d/17_dt9JVEgt0DEQwWmfeC95XTvTKKomYjx1SsHcs3LLc/edit?usp=sharing</a:t>
-            </a:r>
-            <a:endParaRPr lang="de-CH" dirty="0" smtClean="0"/>
-          </a:p>
-          <a:p>
-            <a:pPr marL="457200" indent="-457200">
-              <a:buFont typeface="Arial" panose="020B0604020202020204" pitchFamily="34" charset="0"/>
-              <a:buChar char="•"/>
-            </a:pPr>
-            <a:endParaRPr lang="de-CH" dirty="0" smtClean="0"/>
-          </a:p>
-          <a:p>
-            <a:pPr marL="457200" indent="-457200">
-              <a:buFont typeface="Arial" panose="020B0604020202020204" pitchFamily="34" charset="0"/>
-              <a:buChar char="•"/>
-            </a:pPr>
             <a:endParaRPr lang="de-CH" dirty="0" smtClean="0"/>
           </a:p>
           <a:p>
@@ -6800,57 +6801,124 @@
       </p:grpSpPr>
       <p:sp>
         <p:nvSpPr>
-          <p:cNvPr id="2" name="Bildplatzhalter 1"/>
-          <p:cNvSpPr>
-            <a:spLocks noGrp="1"/>
-          </p:cNvSpPr>
-          <p:nvPr>
-            <p:ph type="pic" sz="quarter" idx="17"/>
-          </p:nvPr>
-        </p:nvSpPr>
-        <p:spPr/>
-      </p:sp>
-      <p:sp>
-        <p:nvSpPr>
-          <p:cNvPr id="3" name="Textplatzhalter 2"/>
-          <p:cNvSpPr>
-            <a:spLocks noGrp="1"/>
-          </p:cNvSpPr>
-          <p:nvPr>
-            <p:ph type="body" sz="quarter" idx="18"/>
-          </p:nvPr>
-        </p:nvSpPr>
-        <p:spPr/>
-        <p:txBody>
-          <a:bodyPr/>
-          <a:lstStyle/>
-          <a:p>
-            <a:endParaRPr lang="de-CH"/>
-          </a:p>
-        </p:txBody>
-      </p:sp>
-      <p:sp>
-        <p:nvSpPr>
-          <p:cNvPr id="4" name="Untertitel 3"/>
-          <p:cNvSpPr>
-            <a:spLocks noGrp="1"/>
-          </p:cNvSpPr>
-          <p:nvPr>
-            <p:ph type="subTitle" idx="1"/>
-          </p:nvPr>
-        </p:nvSpPr>
-        <p:spPr/>
-        <p:txBody>
-          <a:bodyPr/>
-          <a:lstStyle/>
-          <a:p>
-            <a:endParaRPr lang="de-CH"/>
-          </a:p>
-        </p:txBody>
-      </p:sp>
-      <p:sp>
-        <p:nvSpPr>
-          <p:cNvPr id="5" name="Datumsplatzhalter 4"/>
+          <p:cNvPr id="2" name="Titel 1">
+            <a:extLst>
+              <a:ext uri="{FF2B5EF4-FFF2-40B4-BE49-F238E27FC236}">
+                <a16:creationId xmlns:a16="http://schemas.microsoft.com/office/drawing/2014/main" id="{71CEFE11-A4A3-4C0D-9B15-68F68DE8835B}"/>
+              </a:ext>
+            </a:extLst>
+          </p:cNvPr>
+          <p:cNvSpPr>
+            <a:spLocks noGrp="1"/>
+          </p:cNvSpPr>
+          <p:nvPr>
+            <p:ph type="title"/>
+          </p:nvPr>
+        </p:nvSpPr>
+        <p:spPr/>
+        <p:txBody>
+          <a:bodyPr/>
+          <a:lstStyle/>
+          <a:p>
+            <a:r>
+              <a:rPr lang="de-CH" dirty="0" smtClean="0"/>
+              <a:t>Blick in die Zukunft</a:t>
+            </a:r>
+            <a:endParaRPr lang="de-CH" dirty="0"/>
+          </a:p>
+        </p:txBody>
+      </p:sp>
+      <p:sp>
+        <p:nvSpPr>
+          <p:cNvPr id="3" name="Inhaltsplatzhalter 2">
+            <a:extLst>
+              <a:ext uri="{FF2B5EF4-FFF2-40B4-BE49-F238E27FC236}">
+                <a16:creationId xmlns:a16="http://schemas.microsoft.com/office/drawing/2014/main" id="{9EAC0313-945E-4B7D-AA50-0A8905F4222C}"/>
+              </a:ext>
+            </a:extLst>
+          </p:cNvPr>
+          <p:cNvSpPr>
+            <a:spLocks noGrp="1"/>
+          </p:cNvSpPr>
+          <p:nvPr>
+            <p:ph idx="1"/>
+          </p:nvPr>
+        </p:nvSpPr>
+        <p:spPr>
+          <a:xfrm>
+            <a:off x="838200" y="1988840"/>
+            <a:ext cx="10983913" cy="4536504"/>
+          </a:xfrm>
+        </p:spPr>
+        <p:txBody>
+          <a:bodyPr/>
+          <a:lstStyle/>
+          <a:p>
+            <a:pPr marL="457200" indent="-457200">
+              <a:buFont typeface="Arial" panose="020B0604020202020204" pitchFamily="34" charset="0"/>
+              <a:buChar char="•"/>
+            </a:pPr>
+            <a:r>
+              <a:rPr lang="de-CH" dirty="0" smtClean="0"/>
+              <a:t>Die aktuelle Engine kann auf alle Seiten erweitert werden</a:t>
+            </a:r>
+            <a:br>
+              <a:rPr lang="de-CH" dirty="0" smtClean="0"/>
+            </a:br>
+            <a:endParaRPr lang="de-CH" dirty="0" smtClean="0"/>
+          </a:p>
+          <a:p>
+            <a:pPr marL="457200" indent="-457200">
+              <a:buFont typeface="Arial" panose="020B0604020202020204" pitchFamily="34" charset="0"/>
+              <a:buChar char="•"/>
+            </a:pPr>
+            <a:r>
+              <a:rPr lang="de-CH" dirty="0" smtClean="0"/>
+              <a:t>Datenspeicherung in einer DB</a:t>
+            </a:r>
+            <a:br>
+              <a:rPr lang="de-CH" dirty="0" smtClean="0"/>
+            </a:br>
+            <a:endParaRPr lang="de-CH" dirty="0" smtClean="0"/>
+          </a:p>
+          <a:p>
+            <a:pPr marL="457200" indent="-457200">
+              <a:buFont typeface="Arial" panose="020B0604020202020204" pitchFamily="34" charset="0"/>
+              <a:buChar char="•"/>
+            </a:pPr>
+            <a:r>
+              <a:rPr lang="de-CH" dirty="0" smtClean="0"/>
+              <a:t>Webinterface zur Eingabe der neuen Daten</a:t>
+            </a:r>
+          </a:p>
+          <a:p>
+            <a:pPr marL="457200" indent="-457200">
+              <a:buFont typeface="Arial" panose="020B0604020202020204" pitchFamily="34" charset="0"/>
+              <a:buChar char="•"/>
+            </a:pPr>
+            <a:endParaRPr lang="de-CH" dirty="0"/>
+          </a:p>
+          <a:p>
+            <a:pPr marL="457200" indent="-457200">
+              <a:buFont typeface="Arial" panose="020B0604020202020204" pitchFamily="34" charset="0"/>
+              <a:buChar char="•"/>
+            </a:pPr>
+            <a:r>
+              <a:rPr lang="de-CH" dirty="0" smtClean="0"/>
+              <a:t>Adaptierung auf weitere Berichte</a:t>
+            </a:r>
+          </a:p>
+        </p:txBody>
+      </p:sp>
+      <p:sp>
+        <p:nvSpPr>
+          <p:cNvPr id="4" name="Datumsplatzhalter 3">
+            <a:extLst>
+              <a:ext uri="{FF2B5EF4-FFF2-40B4-BE49-F238E27FC236}">
+                <a16:creationId xmlns:a16="http://schemas.microsoft.com/office/drawing/2014/main" id="{7759626A-D212-47F9-AD91-396A99606B59}"/>
+              </a:ext>
+            </a:extLst>
+          </p:cNvPr>
           <p:cNvSpPr>
             <a:spLocks noGrp="1"/>
           </p:cNvSpPr>
@@ -6863,7 +6931,7 @@
           <a:bodyPr/>
           <a:lstStyle/>
           <a:p>
-            <a:fld id="{5FE384C9-A36A-4C51-A757-4015A728520B}" type="datetime4">
+            <a:fld id="{21FAA0A9-3494-463A-A4F7-4C634B066E9C}" type="datetime4">
               <a:rPr lang="de-CH" smtClean="0"/>
               <a:t>12. Mai 2023</a:t>
             </a:fld>
@@ -6873,7 +6941,13 @@
       </p:sp>
       <p:sp>
         <p:nvSpPr>
-          <p:cNvPr id="6" name="Fußzeilenplatzhalter 5"/>
+          <p:cNvPr id="5" name="Fußzeilenplatzhalter 4">
+            <a:extLst>
+              <a:ext uri="{FF2B5EF4-FFF2-40B4-BE49-F238E27FC236}">
+                <a16:creationId xmlns:a16="http://schemas.microsoft.com/office/drawing/2014/main" id="{C7FF4EBF-1F95-422C-ABDC-BAC99BA2526A}"/>
+              </a:ext>
+            </a:extLst>
+          </p:cNvPr>
           <p:cNvSpPr>
             <a:spLocks noGrp="1"/>
           </p:cNvSpPr>
@@ -6887,7 +6961,7 @@
           <a:lstStyle/>
           <a:p>
             <a:r>
-              <a:rPr lang="de-CH" smtClean="0"/>
+              <a:rPr lang="de-CH"/>
               <a:t>Klassifizierung: intern / vertraulich / geheim</a:t>
             </a:r>
             <a:endParaRPr lang="de-CH" dirty="0"/>
@@ -6896,7 +6970,13 @@
       </p:sp>
       <p:sp>
         <p:nvSpPr>
-          <p:cNvPr id="7" name="Foliennummernplatzhalter 6"/>
+          <p:cNvPr id="6" name="Foliennummernplatzhalter 5">
+            <a:extLst>
+              <a:ext uri="{FF2B5EF4-FFF2-40B4-BE49-F238E27FC236}">
+                <a16:creationId xmlns:a16="http://schemas.microsoft.com/office/drawing/2014/main" id="{56A97AFD-16FE-4EA5-A888-4A84A29DE559}"/>
+              </a:ext>
+            </a:extLst>
+          </p:cNvPr>
           <p:cNvSpPr>
             <a:spLocks noGrp="1"/>
           </p:cNvSpPr>
@@ -6918,86 +6998,10 @@
           </a:p>
         </p:txBody>
       </p:sp>
-      <p:sp>
-        <p:nvSpPr>
-          <p:cNvPr id="8" name="Textplatzhalter 7"/>
-          <p:cNvSpPr>
-            <a:spLocks noGrp="1"/>
-          </p:cNvSpPr>
-          <p:nvPr>
-            <p:ph type="body" sz="quarter" idx="13"/>
-          </p:nvPr>
-        </p:nvSpPr>
-        <p:spPr/>
-        <p:txBody>
-          <a:bodyPr/>
-          <a:lstStyle/>
-          <a:p>
-            <a:endParaRPr lang="de-CH"/>
-          </a:p>
-        </p:txBody>
-      </p:sp>
-      <p:sp>
-        <p:nvSpPr>
-          <p:cNvPr id="9" name="Textplatzhalter 8"/>
-          <p:cNvSpPr>
-            <a:spLocks noGrp="1"/>
-          </p:cNvSpPr>
-          <p:nvPr>
-            <p:ph type="body" sz="quarter" idx="16"/>
-          </p:nvPr>
-        </p:nvSpPr>
-        <p:spPr/>
-        <p:txBody>
-          <a:bodyPr/>
-          <a:lstStyle/>
-          <a:p>
-            <a:endParaRPr lang="de-CH"/>
-          </a:p>
-        </p:txBody>
-      </p:sp>
-      <p:sp>
-        <p:nvSpPr>
-          <p:cNvPr id="10" name="Textplatzhalter 9"/>
-          <p:cNvSpPr>
-            <a:spLocks noGrp="1"/>
-          </p:cNvSpPr>
-          <p:nvPr>
-            <p:ph type="body" sz="quarter" idx="14"/>
-          </p:nvPr>
-        </p:nvSpPr>
-        <p:spPr/>
-        <p:txBody>
-          <a:bodyPr/>
-          <a:lstStyle/>
-          <a:p>
-            <a:endParaRPr lang="de-CH"/>
-          </a:p>
-        </p:txBody>
-      </p:sp>
-      <p:sp>
-        <p:nvSpPr>
-          <p:cNvPr id="11" name="Titel 10"/>
-          <p:cNvSpPr>
-            <a:spLocks noGrp="1"/>
-          </p:cNvSpPr>
-          <p:nvPr>
-            <p:ph type="ctrTitle"/>
-          </p:nvPr>
-        </p:nvSpPr>
-        <p:spPr/>
-        <p:txBody>
-          <a:bodyPr/>
-          <a:lstStyle/>
-          <a:p>
-            <a:endParaRPr lang="de-CH"/>
-          </a:p>
-        </p:txBody>
-      </p:sp>
     </p:spTree>
     <p:extLst>
       <p:ext uri="{BB962C8B-B14F-4D97-AF65-F5344CB8AC3E}">
-        <p14:creationId xmlns:p14="http://schemas.microsoft.com/office/powerpoint/2010/main" val="3648522114"/>
+        <p14:creationId xmlns:p14="http://schemas.microsoft.com/office/powerpoint/2010/main" val="4186341166"/>
       </p:ext>
     </p:extLst>
   </p:cSld>
@@ -7036,291 +7040,6 @@
           <p:cNvPr id="2" name="Titel 1">
             <a:extLst>
               <a:ext uri="{FF2B5EF4-FFF2-40B4-BE49-F238E27FC236}">
-                <a16:creationId xmlns:a16="http://schemas.microsoft.com/office/drawing/2014/main" id="{71CEFE11-A4A3-4C0D-9B15-68F68DE8835B}"/>
-              </a:ext>
-            </a:extLst>
-          </p:cNvPr>
-          <p:cNvSpPr>
-            <a:spLocks noGrp="1"/>
-          </p:cNvSpPr>
-          <p:nvPr>
-            <p:ph type="title"/>
-          </p:nvPr>
-        </p:nvSpPr>
-        <p:spPr/>
-        <p:txBody>
-          <a:bodyPr/>
-          <a:lstStyle/>
-          <a:p>
-            <a:r>
-              <a:rPr lang="de-CH" dirty="0" smtClean="0"/>
-              <a:t>Aufgabe</a:t>
-            </a:r>
-            <a:endParaRPr lang="de-CH" dirty="0"/>
-          </a:p>
-        </p:txBody>
-      </p:sp>
-      <p:sp>
-        <p:nvSpPr>
-          <p:cNvPr id="3" name="Inhaltsplatzhalter 2">
-            <a:extLst>
-              <a:ext uri="{FF2B5EF4-FFF2-40B4-BE49-F238E27FC236}">
-                <a16:creationId xmlns:a16="http://schemas.microsoft.com/office/drawing/2014/main" id="{9EAC0313-945E-4B7D-AA50-0A8905F4222C}"/>
-              </a:ext>
-            </a:extLst>
-          </p:cNvPr>
-          <p:cNvSpPr>
-            <a:spLocks noGrp="1"/>
-          </p:cNvSpPr>
-          <p:nvPr>
-            <p:ph idx="1"/>
-          </p:nvPr>
-        </p:nvSpPr>
-        <p:spPr/>
-        <p:txBody>
-          <a:bodyPr/>
-          <a:lstStyle/>
-          <a:p>
-            <a:r>
-              <a:rPr lang="de-CH"/>
-              <a:t>Lorem ipsum dolor sit amet, consectetuer adipiscing elit. Maecenas porttitor congue massa. Fusce posuere, magna sed pulvinar ultricies, purus lectus malesuada libero, sit amet commodo magna eros quis urna.</a:t>
-            </a:r>
-          </a:p>
-          <a:p>
-            <a:endParaRPr lang="de-CH"/>
-          </a:p>
-          <a:p>
-            <a:pPr lvl="1"/>
-            <a:r>
-              <a:rPr lang="de-CH"/>
-              <a:t>Aufzählung (Textebene 2)</a:t>
-            </a:r>
-          </a:p>
-          <a:p>
-            <a:pPr lvl="1"/>
-            <a:r>
-              <a:rPr lang="de-CH"/>
-              <a:t>Aufzählung (Textebene 2)</a:t>
-            </a:r>
-          </a:p>
-          <a:p>
-            <a:pPr lvl="2"/>
-            <a:r>
-              <a:rPr lang="de-CH"/>
-              <a:t>Aufzählung (Textebene 3)</a:t>
-            </a:r>
-          </a:p>
-          <a:p>
-            <a:pPr lvl="2"/>
-            <a:r>
-              <a:rPr lang="de-CH"/>
-              <a:t>Aufzählung (Textebene 3)</a:t>
-            </a:r>
-          </a:p>
-          <a:p>
-            <a:pPr lvl="2"/>
-            <a:endParaRPr lang="de-CH"/>
-          </a:p>
-          <a:p>
-            <a:endParaRPr lang="de-CH" dirty="0"/>
-          </a:p>
-        </p:txBody>
-      </p:sp>
-      <p:sp>
-        <p:nvSpPr>
-          <p:cNvPr id="4" name="Datumsplatzhalter 3">
-            <a:extLst>
-              <a:ext uri="{FF2B5EF4-FFF2-40B4-BE49-F238E27FC236}">
-                <a16:creationId xmlns:a16="http://schemas.microsoft.com/office/drawing/2014/main" id="{7759626A-D212-47F9-AD91-396A99606B59}"/>
-              </a:ext>
-            </a:extLst>
-          </p:cNvPr>
-          <p:cNvSpPr>
-            <a:spLocks noGrp="1"/>
-          </p:cNvSpPr>
-          <p:nvPr>
-            <p:ph type="dt" sz="half" idx="10"/>
-          </p:nvPr>
-        </p:nvSpPr>
-        <p:spPr/>
-        <p:txBody>
-          <a:bodyPr/>
-          <a:lstStyle/>
-          <a:p>
-            <a:fld id="{21FAA0A9-3494-463A-A4F7-4C634B066E9C}" type="datetime4">
-              <a:rPr lang="de-CH" smtClean="0"/>
-              <a:t>12. Mai 2023</a:t>
-            </a:fld>
-            <a:endParaRPr lang="de-CH" dirty="0"/>
-          </a:p>
-        </p:txBody>
-      </p:sp>
-      <p:sp>
-        <p:nvSpPr>
-          <p:cNvPr id="5" name="Fußzeilenplatzhalter 4">
-            <a:extLst>
-              <a:ext uri="{FF2B5EF4-FFF2-40B4-BE49-F238E27FC236}">
-                <a16:creationId xmlns:a16="http://schemas.microsoft.com/office/drawing/2014/main" id="{C7FF4EBF-1F95-422C-ABDC-BAC99BA2526A}"/>
-              </a:ext>
-            </a:extLst>
-          </p:cNvPr>
-          <p:cNvSpPr>
-            <a:spLocks noGrp="1"/>
-          </p:cNvSpPr>
-          <p:nvPr>
-            <p:ph type="ftr" sz="quarter" idx="11"/>
-          </p:nvPr>
-        </p:nvSpPr>
-        <p:spPr/>
-        <p:txBody>
-          <a:bodyPr/>
-          <a:lstStyle/>
-          <a:p>
-            <a:r>
-              <a:rPr lang="de-CH"/>
-              <a:t>Klassifizierung: intern / vertraulich / geheim</a:t>
-            </a:r>
-            <a:endParaRPr lang="de-CH" dirty="0"/>
-          </a:p>
-        </p:txBody>
-      </p:sp>
-      <p:sp>
-        <p:nvSpPr>
-          <p:cNvPr id="6" name="Foliennummernplatzhalter 5">
-            <a:extLst>
-              <a:ext uri="{FF2B5EF4-FFF2-40B4-BE49-F238E27FC236}">
-                <a16:creationId xmlns:a16="http://schemas.microsoft.com/office/drawing/2014/main" id="{56A97AFD-16FE-4EA5-A888-4A84A29DE559}"/>
-              </a:ext>
-            </a:extLst>
-          </p:cNvPr>
-          <p:cNvSpPr>
-            <a:spLocks noGrp="1"/>
-          </p:cNvSpPr>
-          <p:nvPr>
-            <p:ph type="sldNum" sz="quarter" idx="12"/>
-          </p:nvPr>
-        </p:nvSpPr>
-        <p:spPr/>
-        <p:txBody>
-          <a:bodyPr/>
-          <a:lstStyle/>
-          <a:p>
-            <a:fld id="{442AD375-037F-43D0-B059-5172DA06796A}" type="slidenum">
-              <a:rPr lang="de-CH" smtClean="0"/>
-              <a:pPr/>
-              <a:t>8</a:t>
-            </a:fld>
-            <a:endParaRPr lang="de-CH" dirty="0"/>
-          </a:p>
-        </p:txBody>
-      </p:sp>
-      <p:pic>
-        <p:nvPicPr>
-          <p:cNvPr id="9" name="Grafik 8"/>
-          <p:cNvPicPr>
-            <a:picLocks noChangeAspect="1"/>
-          </p:cNvPicPr>
-          <p:nvPr/>
-        </p:nvPicPr>
-        <p:blipFill>
-          <a:blip r:embed="rId2"/>
-          <a:stretch>
-            <a:fillRect/>
-          </a:stretch>
-        </p:blipFill>
-        <p:spPr>
-          <a:xfrm>
-            <a:off x="5550029" y="2060848"/>
-            <a:ext cx="4133333" cy="4038095"/>
-          </a:xfrm>
-          <a:prstGeom prst="rect">
-            <a:avLst/>
-          </a:prstGeom>
-        </p:spPr>
-      </p:pic>
-      <p:pic>
-        <p:nvPicPr>
-          <p:cNvPr id="10" name="Grafik 9"/>
-          <p:cNvPicPr>
-            <a:picLocks noChangeAspect="1"/>
-          </p:cNvPicPr>
-          <p:nvPr/>
-        </p:nvPicPr>
-        <p:blipFill>
-          <a:blip r:embed="rId3"/>
-          <a:stretch>
-            <a:fillRect/>
-          </a:stretch>
-        </p:blipFill>
-        <p:spPr>
-          <a:xfrm>
-            <a:off x="2495600" y="2483517"/>
-            <a:ext cx="4133333" cy="3619048"/>
-          </a:xfrm>
-          <a:prstGeom prst="rect">
-            <a:avLst/>
-          </a:prstGeom>
-        </p:spPr>
-      </p:pic>
-      <p:pic>
-        <p:nvPicPr>
-          <p:cNvPr id="11" name="Grafik 10"/>
-          <p:cNvPicPr>
-            <a:picLocks noChangeAspect="1"/>
-          </p:cNvPicPr>
-          <p:nvPr/>
-        </p:nvPicPr>
-        <p:blipFill>
-          <a:blip r:embed="rId4"/>
-          <a:stretch>
-            <a:fillRect/>
-          </a:stretch>
-        </p:blipFill>
-        <p:spPr>
-          <a:xfrm>
-            <a:off x="4038857" y="-390048"/>
-            <a:ext cx="4114286" cy="7638095"/>
-          </a:xfrm>
-          <a:prstGeom prst="rect">
-            <a:avLst/>
-          </a:prstGeom>
-        </p:spPr>
-      </p:pic>
-    </p:spTree>
-    <p:extLst>
-      <p:ext uri="{BB962C8B-B14F-4D97-AF65-F5344CB8AC3E}">
-        <p14:creationId xmlns:p14="http://schemas.microsoft.com/office/powerpoint/2010/main" val="3092643627"/>
-      </p:ext>
-    </p:extLst>
-  </p:cSld>
-  <p:clrMapOvr>
-    <a:masterClrMapping/>
-  </p:clrMapOvr>
-</p:sld>
-</file>
-
-<file path=ppt/slides/slide9.xml><?xml version="1.0" encoding="utf-8"?>
-<p:sld xmlns:a="http://schemas.openxmlformats.org/drawingml/2006/main" xmlns:r="http://schemas.openxmlformats.org/officeDocument/2006/relationships" xmlns:p="http://schemas.openxmlformats.org/presentationml/2006/main">
-  <p:cSld>
-    <p:spTree>
-      <p:nvGrpSpPr>
-        <p:cNvPr id="1" name=""/>
-        <p:cNvGrpSpPr/>
-        <p:nvPr/>
-      </p:nvGrpSpPr>
-      <p:grpSpPr>
-        <a:xfrm>
-          <a:off x="0" y="0"/>
-          <a:ext cx="0" cy="0"/>
-          <a:chOff x="0" y="0"/>
-          <a:chExt cx="0" cy="0"/>
-        </a:xfrm>
-      </p:grpSpPr>
-      <p:sp>
-        <p:nvSpPr>
-          <p:cNvPr id="2" name="Titel 1">
-            <a:extLst>
-              <a:ext uri="{FF2B5EF4-FFF2-40B4-BE49-F238E27FC236}">
                 <a16:creationId xmlns:a16="http://schemas.microsoft.com/office/drawing/2014/main" id="{0F4E402D-8EC9-4253-B7DD-B9F54AA8DFD6}"/>
               </a:ext>
             </a:extLst>
@@ -7367,7 +7086,15 @@
           <a:p>
             <a:r>
               <a:rPr lang="de-CH" dirty="0" smtClean="0"/>
-              <a:t>Team Report</a:t>
+              <a:t>Team «</a:t>
+            </a:r>
+            <a:r>
+              <a:rPr lang="de-CH" dirty="0" err="1" smtClean="0"/>
+              <a:t>automate</a:t>
+            </a:r>
+            <a:r>
+              <a:rPr lang="de-CH" dirty="0" smtClean="0"/>
+              <a:t> Reports»</a:t>
             </a:r>
           </a:p>
           <a:p>
@@ -7528,7 +7255,7 @@
             <a:fld id="{442AD375-037F-43D0-B059-5172DA06796A}" type="slidenum">
               <a:rPr lang="de-CH" smtClean="0"/>
               <a:pPr/>
-              <a:t>9</a:t>
+              <a:t>8</a:t>
             </a:fld>
             <a:endParaRPr lang="de-CH" dirty="0"/>
           </a:p>

--- a/Praesentation/DemoAutomatisierungVonBerichten.pptx
+++ b/Praesentation/DemoAutomatisierungVonBerichten.pptx
@@ -214,7 +214,7 @@
           <a:p>
             <a:fld id="{EEC665CA-D682-48EC-95D2-126FD6449D65}" type="datetime1">
               <a:rPr lang="de-CH" sz="900" smtClean="0"/>
-              <a:t>12.05.2023</a:t>
+              <a:t>13.05.2023</a:t>
             </a:fld>
             <a:endParaRPr lang="de-CH" sz="900"/>
           </a:p>
@@ -516,7 +516,7 @@
           <a:p>
             <a:fld id="{A17AAF7D-4283-4014-80F4-26E915FEACF8}" type="datetime1">
               <a:rPr lang="de-CH" smtClean="0"/>
-              <a:t>12.05.2023</a:t>
+              <a:t>13.05.2023</a:t>
             </a:fld>
             <a:endParaRPr lang="de-CH" dirty="0"/>
           </a:p>
@@ -917,7 +917,7 @@
           <a:p>
             <a:fld id="{D8188CD8-7FF1-4ED3-8276-926FEB01991B}" type="datetime4">
               <a:rPr lang="de-CH" smtClean="0"/>
-              <a:t>12. Mai 2023</a:t>
+              <a:t>13. Mai 2023</a:t>
             </a:fld>
             <a:endParaRPr lang="de-CH" dirty="0"/>
           </a:p>
@@ -1256,7 +1256,7 @@
           <a:p>
             <a:fld id="{8DD1B167-7135-43F3-AEAE-A730821D191A}" type="datetime4">
               <a:rPr lang="de-CH" smtClean="0"/>
-              <a:t>12. Mai 2023</a:t>
+              <a:t>13. Mai 2023</a:t>
             </a:fld>
             <a:endParaRPr lang="de-CH" dirty="0"/>
           </a:p>
@@ -1390,7 +1390,7 @@
           <a:p>
             <a:fld id="{A4596CBD-DD5D-4F61-A35A-2BDD2301218D}" type="datetime4">
               <a:rPr lang="de-CH" smtClean="0"/>
-              <a:t>12. Mai 2023</a:t>
+              <a:t>13. Mai 2023</a:t>
             </a:fld>
             <a:endParaRPr lang="de-CH" dirty="0"/>
           </a:p>
@@ -1628,7 +1628,7 @@
           <a:p>
             <a:fld id="{1DF9B2EE-0AB2-4AEE-914F-EB9E33FEECB6}" type="datetime4">
               <a:rPr lang="de-CH" smtClean="0"/>
-              <a:t>12. Mai 2023</a:t>
+              <a:t>13. Mai 2023</a:t>
             </a:fld>
             <a:endParaRPr lang="de-CH" dirty="0"/>
           </a:p>
@@ -1866,7 +1866,7 @@
           <a:p>
             <a:fld id="{EAA4AD0E-3E40-4A4C-8A31-E1A9AB0C5623}" type="datetime4">
               <a:rPr lang="de-CH" smtClean="0"/>
-              <a:t>12. Mai 2023</a:t>
+              <a:t>13. Mai 2023</a:t>
             </a:fld>
             <a:endParaRPr lang="de-CH" dirty="0"/>
           </a:p>
@@ -2037,7 +2037,7 @@
           <a:p>
             <a:fld id="{3084B0DB-8B37-4DE6-B20E-758F84ADAD1D}" type="datetime4">
               <a:rPr lang="de-CH" smtClean="0"/>
-              <a:t>12. Mai 2023</a:t>
+              <a:t>13. Mai 2023</a:t>
             </a:fld>
             <a:endParaRPr lang="de-CH" dirty="0"/>
           </a:p>
@@ -2137,7 +2137,7 @@
           <a:p>
             <a:fld id="{6A74091E-89C7-4DA0-88E9-E17602D8A5F2}" type="datetime4">
               <a:rPr lang="de-CH" smtClean="0"/>
-              <a:t>12. Mai 2023</a:t>
+              <a:t>13. Mai 2023</a:t>
             </a:fld>
             <a:endParaRPr lang="de-CH" dirty="0"/>
           </a:p>
@@ -2416,7 +2416,7 @@
           <a:p>
             <a:fld id="{5FE384C9-A36A-4C51-A757-4015A728520B}" type="datetime4">
               <a:rPr lang="de-CH" smtClean="0"/>
-              <a:t>12. Mai 2023</a:t>
+              <a:t>13. Mai 2023</a:t>
             </a:fld>
             <a:endParaRPr lang="de-CH" dirty="0"/>
           </a:p>
@@ -2893,7 +2893,7 @@
           <a:p>
             <a:fld id="{0919DDA5-21C2-4B1D-B299-BF7B0E6DE0FE}" type="datetime4">
               <a:rPr lang="de-CH" smtClean="0"/>
-              <a:t>12. Mai 2023</a:t>
+              <a:t>13. Mai 2023</a:t>
             </a:fld>
             <a:endParaRPr lang="de-CH" dirty="0"/>
           </a:p>
@@ -3318,7 +3318,7 @@
           <a:p>
             <a:fld id="{D57004AA-1953-4520-AF13-C3721611799D}" type="datetime4">
               <a:rPr lang="de-CH" smtClean="0"/>
-              <a:t>12. Mai 2023</a:t>
+              <a:t>13. Mai 2023</a:t>
             </a:fld>
             <a:endParaRPr lang="de-CH" dirty="0"/>
           </a:p>
@@ -3598,7 +3598,7 @@
           <a:p>
             <a:fld id="{2B1184E5-31D6-4FE5-BFC7-A07FAEBFE075}" type="datetime4">
               <a:rPr lang="de-CH" smtClean="0"/>
-              <a:t>12. Mai 2023</a:t>
+              <a:t>13. Mai 2023</a:t>
             </a:fld>
             <a:endParaRPr lang="de-CH" dirty="0"/>
           </a:p>
@@ -3875,7 +3875,7 @@
           <a:p>
             <a:fld id="{E370FF11-BE2C-4D33-A71B-8DA63E8A163E}" type="datetime4">
               <a:rPr lang="de-CH" smtClean="0"/>
-              <a:t>12. Mai 2023</a:t>
+              <a:t>13. Mai 2023</a:t>
             </a:fld>
             <a:endParaRPr lang="de-CH" dirty="0"/>
           </a:p>
@@ -4132,7 +4132,7 @@
           <a:p>
             <a:fld id="{8F6544CA-0A33-40A7-B8DB-1E3475BC8352}" type="datetime4">
               <a:rPr lang="de-CH" smtClean="0"/>
-              <a:t>12. Mai 2023</a:t>
+              <a:t>13. Mai 2023</a:t>
             </a:fld>
             <a:endParaRPr lang="de-CH" dirty="0"/>
           </a:p>
@@ -4311,7 +4311,7 @@
           <a:p>
             <a:fld id="{74B8EF3F-82B3-4CB2-B551-A5FCEA334651}" type="datetime4">
               <a:rPr lang="de-CH" smtClean="0"/>
-              <a:t>12. Mai 2023</a:t>
+              <a:t>13. Mai 2023</a:t>
             </a:fld>
             <a:endParaRPr lang="de-CH" dirty="0"/>
           </a:p>
@@ -4500,7 +4500,7 @@
           <a:p>
             <a:fld id="{1DFB08CE-F601-4561-962B-752A580B012A}" type="datetime4">
               <a:rPr lang="de-CH" smtClean="0"/>
-              <a:t>12. Mai 2023</a:t>
+              <a:t>13. Mai 2023</a:t>
             </a:fld>
             <a:endParaRPr lang="de-CH" dirty="0"/>
           </a:p>
@@ -4753,7 +4753,7 @@
           <a:p>
             <a:fld id="{25BFEB73-7DB0-4E1C-AD41-222EA41EE038}" type="datetime4">
               <a:rPr lang="de-CH" smtClean="0"/>
-              <a:t>12. Mai 2023</a:t>
+              <a:t>13. Mai 2023</a:t>
             </a:fld>
             <a:endParaRPr lang="de-CH" dirty="0"/>
           </a:p>
@@ -5346,7 +5346,7 @@
           <a:p>
             <a:fld id="{F215DFBE-C911-49C4-8A6A-226CE333BB5C}" type="datetime4">
               <a:rPr lang="de-CH" smtClean="0"/>
-              <a:t>12. Mai 2023</a:t>
+              <a:t>13. Mai 2023</a:t>
             </a:fld>
             <a:endParaRPr lang="de-CH" dirty="0"/>
           </a:p>
@@ -5385,7 +5385,6 @@
               <a:rPr lang="de-CH" dirty="0"/>
               <a:t> BE 2023</a:t>
             </a:r>
-            <a:endParaRPr lang="de-CH" dirty="0"/>
           </a:p>
         </p:txBody>
       </p:sp>
@@ -5651,7 +5650,7 @@
           <a:p>
             <a:fld id="{21FAA0A9-3494-463A-A4F7-4C634B066E9C}" type="datetime4">
               <a:rPr lang="de-CH" smtClean="0"/>
-              <a:t>12. Mai 2023</a:t>
+              <a:t>13. Mai 2023</a:t>
             </a:fld>
             <a:endParaRPr lang="de-CH" dirty="0"/>
           </a:p>
@@ -5805,7 +5804,7 @@
           <a:p>
             <a:fld id="{21FAA0A9-3494-463A-A4F7-4C634B066E9C}" type="datetime4">
               <a:rPr lang="de-CH" smtClean="0"/>
-              <a:t>12. Mai 2023</a:t>
+              <a:t>13. Mai 2023</a:t>
             </a:fld>
             <a:endParaRPr lang="de-CH" dirty="0"/>
           </a:p>
@@ -6246,7 +6245,7 @@
           <a:p>
             <a:fld id="{21FAA0A9-3494-463A-A4F7-4C634B066E9C}" type="datetime4">
               <a:rPr lang="de-CH" smtClean="0"/>
-              <a:t>12. Mai 2023</a:t>
+              <a:t>13. Mai 2023</a:t>
             </a:fld>
             <a:endParaRPr lang="de-CH" dirty="0"/>
           </a:p>
@@ -6406,7 +6405,15 @@
             </a:pPr>
             <a:r>
               <a:rPr lang="de-CH" dirty="0" smtClean="0"/>
-              <a:t>Daten Google Sheet eintragen</a:t>
+              <a:t>Daten </a:t>
+            </a:r>
+            <a:r>
+              <a:rPr lang="de-CH" dirty="0" smtClean="0"/>
+              <a:t>in Google </a:t>
+            </a:r>
+            <a:r>
+              <a:rPr lang="de-CH" dirty="0" smtClean="0"/>
+              <a:t>Sheet eintragen</a:t>
             </a:r>
           </a:p>
           <a:p>
@@ -6471,7 +6478,7 @@
           <a:p>
             <a:fld id="{21FAA0A9-3494-463A-A4F7-4C634B066E9C}" type="datetime4">
               <a:rPr lang="de-CH" smtClean="0"/>
-              <a:t>12. Mai 2023</a:t>
+              <a:t>13. Mai 2023</a:t>
             </a:fld>
             <a:endParaRPr lang="de-CH" dirty="0"/>
           </a:p>
@@ -6589,39 +6596,10 @@
             <p:ph type="title"/>
           </p:nvPr>
         </p:nvSpPr>
-        <p:spPr/>
-        <p:txBody>
-          <a:bodyPr/>
-          <a:lstStyle/>
-          <a:p>
-            <a:r>
-              <a:rPr lang="de-CH" dirty="0" smtClean="0"/>
-              <a:t>Live Demo</a:t>
-            </a:r>
-            <a:endParaRPr lang="de-CH" dirty="0"/>
-          </a:p>
-        </p:txBody>
-      </p:sp>
-      <p:sp>
-        <p:nvSpPr>
-          <p:cNvPr id="3" name="Inhaltsplatzhalter 2">
-            <a:extLst>
-              <a:ext uri="{FF2B5EF4-FFF2-40B4-BE49-F238E27FC236}">
-                <a16:creationId xmlns:a16="http://schemas.microsoft.com/office/drawing/2014/main" id="{9EAC0313-945E-4B7D-AA50-0A8905F4222C}"/>
-              </a:ext>
-            </a:extLst>
-          </p:cNvPr>
-          <p:cNvSpPr>
-            <a:spLocks noGrp="1"/>
-          </p:cNvSpPr>
-          <p:nvPr>
-            <p:ph idx="1"/>
-          </p:nvPr>
-        </p:nvSpPr>
         <p:spPr>
           <a:xfrm>
-            <a:off x="838201" y="1988840"/>
-            <a:ext cx="9578280" cy="3312368"/>
+            <a:off x="838200" y="1071564"/>
+            <a:ext cx="10983913" cy="3365548"/>
           </a:xfrm>
         </p:spPr>
         <p:txBody>
@@ -6630,47 +6608,23 @@
           <a:p>
             <a:r>
               <a:rPr lang="de-CH" dirty="0" smtClean="0"/>
+              <a:t>Demo</a:t>
+            </a:r>
+            <a:br>
+              <a:rPr lang="de-CH" dirty="0" smtClean="0"/>
+            </a:br>
+            <a:r>
+              <a:rPr lang="de-CH" dirty="0"/>
+              <a:t/>
+            </a:r>
+            <a:br>
+              <a:rPr lang="de-CH" dirty="0"/>
+            </a:br>
+            <a:r>
+              <a:rPr lang="de-CH" dirty="0" smtClean="0"/>
               <a:t>Prototyp mit einer Seite</a:t>
             </a:r>
-          </a:p>
-          <a:p>
-            <a:endParaRPr lang="de-CH" dirty="0" smtClean="0"/>
-          </a:p>
-          <a:p>
-            <a:pPr marL="457200" indent="-457200">
-              <a:buFont typeface="Arial" panose="020B0604020202020204" pitchFamily="34" charset="0"/>
-              <a:buChar char="•"/>
-            </a:pPr>
-            <a:r>
-              <a:rPr lang="de-CH" dirty="0" smtClean="0">
-                <a:hlinkClick r:id="rId2"/>
-              </a:rPr>
-              <a:t>Dateneingabe</a:t>
-            </a:r>
-            <a:endParaRPr lang="de-CH" dirty="0" smtClean="0"/>
-          </a:p>
-          <a:p>
-            <a:endParaRPr lang="de-CH" dirty="0" smtClean="0"/>
-          </a:p>
-          <a:p>
-            <a:pPr marL="457200" indent="-457200">
-              <a:buFont typeface="Arial" panose="020B0604020202020204" pitchFamily="34" charset="0"/>
-              <a:buChar char="•"/>
-            </a:pPr>
-            <a:r>
-              <a:rPr lang="de-CH" dirty="0" smtClean="0">
-                <a:hlinkClick r:id="rId3"/>
-              </a:rPr>
-              <a:t>Export</a:t>
-            </a:r>
-            <a:endParaRPr lang="de-CH" dirty="0" smtClean="0"/>
-          </a:p>
-          <a:p>
-            <a:pPr marL="457200" indent="-457200">
-              <a:buFont typeface="Arial" panose="020B0604020202020204" pitchFamily="34" charset="0"/>
-              <a:buChar char="•"/>
-            </a:pPr>
-            <a:endParaRPr lang="de-CH" dirty="0" smtClean="0"/>
+            <a:endParaRPr lang="de-CH" dirty="0"/>
           </a:p>
         </p:txBody>
       </p:sp>
@@ -6697,7 +6651,7 @@
           <a:p>
             <a:fld id="{21FAA0A9-3494-463A-A4F7-4C634B066E9C}" type="datetime4">
               <a:rPr lang="de-CH" smtClean="0"/>
-              <a:t>12. Mai 2023</a:t>
+              <a:t>13. Mai 2023</a:t>
             </a:fld>
             <a:endParaRPr lang="de-CH" dirty="0"/>
           </a:p>
@@ -6860,7 +6814,23 @@
             </a:pPr>
             <a:r>
               <a:rPr lang="de-CH" dirty="0" smtClean="0"/>
-              <a:t>Die aktuelle Engine kann auf alle Seiten erweitert werden</a:t>
+              <a:t>Die aktuelle Engine </a:t>
+            </a:r>
+            <a:r>
+              <a:rPr lang="de-CH" dirty="0" smtClean="0"/>
+              <a:t>auf </a:t>
+            </a:r>
+            <a:r>
+              <a:rPr lang="de-CH" dirty="0" smtClean="0"/>
+              <a:t>alle Seiten </a:t>
+            </a:r>
+            <a:r>
+              <a:rPr lang="de-CH" dirty="0" smtClean="0"/>
+              <a:t>erweitern</a:t>
+            </a:r>
+            <a:r>
+              <a:rPr lang="de-CH" dirty="0" smtClean="0"/>
+              <a:t/>
             </a:r>
             <a:br>
               <a:rPr lang="de-CH" dirty="0" smtClean="0"/>
@@ -6933,7 +6903,7 @@
           <a:p>
             <a:fld id="{21FAA0A9-3494-463A-A4F7-4C634B066E9C}" type="datetime4">
               <a:rPr lang="de-CH" smtClean="0"/>
-              <a:t>12. Mai 2023</a:t>
+              <a:t>13. Mai 2023</a:t>
             </a:fld>
             <a:endParaRPr lang="de-CH" dirty="0"/>
           </a:p>
@@ -7196,7 +7166,7 @@
           <a:p>
             <a:fld id="{075B611C-E714-4360-B0F6-AB45B89E7931}" type="datetime4">
               <a:rPr lang="de-CH" smtClean="0"/>
-              <a:t>12. Mai 2023</a:t>
+              <a:t>13. Mai 2023</a:t>
             </a:fld>
             <a:endParaRPr lang="de-CH" dirty="0"/>
           </a:p>
